--- a/HITO 3/PROCESUAL/Procesual.pptx
+++ b/HITO 3/PROCESUAL/Procesual.pptx
@@ -44886,36 +44886,6 @@
           </a:p>
         </p:txBody>
       </p:sp>
-      <p:pic>
-        <p:nvPicPr>
-          <p:cNvPr id="26" name="Imagen 25">
-            <a:extLst>
-              <a:ext uri="{FF2B5EF4-FFF2-40B4-BE49-F238E27FC236}">
-                <a16:creationId xmlns:a16="http://schemas.microsoft.com/office/drawing/2014/main" id="{AC97281C-802B-041A-6A27-AA7A189530E2}"/>
-              </a:ext>
-            </a:extLst>
-          </p:cNvPr>
-          <p:cNvPicPr>
-            <a:picLocks noChangeAspect="1"/>
-          </p:cNvPicPr>
-          <p:nvPr/>
-        </p:nvPicPr>
-        <p:blipFill>
-          <a:blip r:embed="rId3"/>
-          <a:stretch>
-            <a:fillRect/>
-          </a:stretch>
-        </p:blipFill>
-        <p:spPr>
-          <a:xfrm>
-            <a:off x="1325690" y="493641"/>
-            <a:ext cx="5791200" cy="1647825"/>
-          </a:xfrm>
-          <a:prstGeom prst="rect">
-            <a:avLst/>
-          </a:prstGeom>
-        </p:spPr>
-      </p:pic>
       <p:sp>
         <p:nvSpPr>
           <p:cNvPr id="29" name="Google Shape;2970;p37">
@@ -45519,7 +45489,7 @@
           <p:nvPr/>
         </p:nvPicPr>
         <p:blipFill>
-          <a:blip r:embed="rId4"/>
+          <a:blip r:embed="rId3"/>
           <a:stretch>
             <a:fillRect/>
           </a:stretch>
@@ -45549,7 +45519,7 @@
           <p:nvPr/>
         </p:nvPicPr>
         <p:blipFill>
-          <a:blip r:embed="rId5"/>
+          <a:blip r:embed="rId4"/>
           <a:stretch>
             <a:fillRect/>
           </a:stretch>
@@ -45579,7 +45549,7 @@
           <p:nvPr/>
         </p:nvPicPr>
         <p:blipFill>
-          <a:blip r:embed="rId6"/>
+          <a:blip r:embed="rId5"/>
           <a:stretch>
             <a:fillRect/>
           </a:stretch>
@@ -45609,7 +45579,7 @@
           <p:nvPr/>
         </p:nvPicPr>
         <p:blipFill>
-          <a:blip r:embed="rId7"/>
+          <a:blip r:embed="rId6"/>
           <a:stretch>
             <a:fillRect/>
           </a:stretch>
